--- a/lezioni/PASW01 - presentazione corso.pptx
+++ b/lezioni/PASW01 - presentazione corso.pptx
@@ -5861,7 +5861,7 @@
             </a:r>
             <a:r>
               <a:rPr lang="it-IT" sz="2000" dirty="0"/>
-              <a:t>http://elly.dia.unipr.it</a:t>
+              <a:t>http://elly.dia.unipr.it/2017/course/view.php?id=417</a:t>
             </a:r>
             <a:endParaRPr lang="it-IT" dirty="0"/>
           </a:p>

--- a/lezioni/PASW01 - presentazione corso.pptx
+++ b/lezioni/PASW01 - presentazione corso.pptx
@@ -5847,7 +5847,7 @@
             </a:r>
             <a:r>
               <a:rPr lang="it-IT" dirty="0"/>
-              <a:t>.: Ingegneria Sede Scientifica – Palazzina 1 – giovedì 11:00-12:00</a:t>
+              <a:t>.: Ingegneria Sede Scientifica – Palazzina 1 – lunedì 15:00-16:00</a:t>
             </a:r>
           </a:p>
           <a:p>
@@ -5861,11 +5861,8 @@
             </a:r>
             <a:r>
               <a:rPr lang="it-IT" sz="2000" dirty="0"/>
-              <a:t>http://elly.dia.unipr.it/2017/course/view.php?id=417</a:t>
-            </a:r>
-            <a:endParaRPr lang="it-IT" dirty="0"/>
-          </a:p>
-          <a:p>
+              <a:t>https://albertoferrari.github.io/</a:t>
+            </a:r>
             <a:endParaRPr lang="it-IT" dirty="0"/>
           </a:p>
         </p:txBody>
